--- a/day3/img/figures.pptx
+++ b/day3/img/figures.pptx
@@ -212,7 +212,7 @@
           <a:p>
             <a:fld id="{3DC0C369-13E3-C04F-AA91-3C19CF4D27E6}" type="datetimeFigureOut">
               <a:rPr lang="nl-NL" smtClean="0"/>
-              <a:t>03-06-2020</a:t>
+              <a:t>11-06-2020</a:t>
             </a:fld>
             <a:endParaRPr lang="nl-NL"/>
           </a:p>
@@ -378,7 +378,7 @@
           <a:p>
             <a:fld id="{F37D42C8-A255-5F4D-A951-1B90F54B60E2}" type="datetimeFigureOut">
               <a:rPr lang="nl-NL" smtClean="0"/>
-              <a:t>03-06-2020</a:t>
+              <a:t>11-06-2020</a:t>
             </a:fld>
             <a:endParaRPr lang="nl-NL"/>
           </a:p>
@@ -23645,7 +23645,7 @@
         <p:grpSpPr>
           <a:xfrm>
             <a:off x="6949166" y="3532096"/>
-            <a:ext cx="1601757" cy="1052052"/>
+            <a:ext cx="2194026" cy="1052052"/>
             <a:chOff x="3330895" y="3532096"/>
             <a:chExt cx="1601757" cy="1052052"/>
           </a:xfrm>
@@ -23812,8 +23812,8 @@
         </p:nvGrpSpPr>
         <p:grpSpPr>
           <a:xfrm flipH="1" flipV="1">
-            <a:off x="6291442" y="3728311"/>
-            <a:ext cx="1593946" cy="632286"/>
+            <a:off x="6303311" y="3728311"/>
+            <a:ext cx="2191062" cy="632286"/>
             <a:chOff x="2073713" y="1655477"/>
             <a:chExt cx="9215024" cy="1052052"/>
           </a:xfrm>
